--- a/クイズ.pptx
+++ b/クイズ.pptx
@@ -207,7 +207,7 @@
           <a:p>
             <a:fld id="{D4B7EBE4-1267-4E09-8E0E-B924E4C53BDF}" type="datetimeFigureOut">
               <a:rPr kumimoji="1" lang="ja-JP" altLang="en-US" smtClean="0"/>
-              <a:t>2017/11/7</a:t>
+              <a:t>2017/11/10</a:t>
             </a:fld>
             <a:endParaRPr kumimoji="1" lang="ja-JP" altLang="en-US"/>
           </a:p>
@@ -638,7 +638,7 @@
           <a:p>
             <a:fld id="{9835693E-2CC6-43A7-88B1-60EF21FB93BF}" type="datetime1">
               <a:rPr kumimoji="1" lang="ja-JP" altLang="en-US" smtClean="0"/>
-              <a:t>2017/11/7</a:t>
+              <a:t>2017/11/10</a:t>
             </a:fld>
             <a:endParaRPr kumimoji="1" lang="ja-JP" altLang="en-US"/>
           </a:p>
@@ -840,7 +840,7 @@
           <a:p>
             <a:fld id="{DAF943B1-1DB7-43F7-BF6C-339FB649C52E}" type="datetime1">
               <a:rPr kumimoji="1" lang="ja-JP" altLang="en-US" smtClean="0"/>
-              <a:t>2017/11/7</a:t>
+              <a:t>2017/11/10</a:t>
             </a:fld>
             <a:endParaRPr kumimoji="1" lang="ja-JP" altLang="en-US"/>
           </a:p>
@@ -1052,7 +1052,7 @@
           <a:p>
             <a:fld id="{93DF96EE-6D67-492D-A563-76337C38E3EB}" type="datetime1">
               <a:rPr kumimoji="1" lang="ja-JP" altLang="en-US" smtClean="0"/>
-              <a:t>2017/11/7</a:t>
+              <a:t>2017/11/10</a:t>
             </a:fld>
             <a:endParaRPr kumimoji="1" lang="ja-JP" altLang="en-US"/>
           </a:p>
@@ -1254,7 +1254,7 @@
           <a:p>
             <a:fld id="{CF7119AF-D285-4E68-88F3-0597858EA7C4}" type="datetime1">
               <a:rPr kumimoji="1" lang="ja-JP" altLang="en-US" smtClean="0"/>
-              <a:t>2017/11/7</a:t>
+              <a:t>2017/11/10</a:t>
             </a:fld>
             <a:endParaRPr kumimoji="1" lang="ja-JP" altLang="en-US"/>
           </a:p>
@@ -1498,7 +1498,7 @@
           <a:p>
             <a:fld id="{7E02BB1F-75EE-4437-99BF-9409E4123D21}" type="datetime1">
               <a:rPr kumimoji="1" lang="ja-JP" altLang="en-US" smtClean="0"/>
-              <a:t>2017/11/7</a:t>
+              <a:t>2017/11/10</a:t>
             </a:fld>
             <a:endParaRPr kumimoji="1" lang="ja-JP" altLang="en-US"/>
           </a:p>
@@ -1794,7 +1794,7 @@
           <a:p>
             <a:fld id="{48E3FBB9-07F3-41B5-8B3C-89182FB3591D}" type="datetime1">
               <a:rPr kumimoji="1" lang="ja-JP" altLang="en-US" smtClean="0"/>
-              <a:t>2017/11/7</a:t>
+              <a:t>2017/11/10</a:t>
             </a:fld>
             <a:endParaRPr kumimoji="1" lang="ja-JP" altLang="en-US"/>
           </a:p>
@@ -2225,7 +2225,7 @@
           <a:p>
             <a:fld id="{6D60D208-0039-413E-B83E-9B878A21268C}" type="datetime1">
               <a:rPr kumimoji="1" lang="ja-JP" altLang="en-US" smtClean="0"/>
-              <a:t>2017/11/7</a:t>
+              <a:t>2017/11/10</a:t>
             </a:fld>
             <a:endParaRPr kumimoji="1" lang="ja-JP" altLang="en-US"/>
           </a:p>
@@ -2343,7 +2343,7 @@
           <a:p>
             <a:fld id="{0B5105E3-0814-45D8-93C1-F45F1C1BEBD0}" type="datetime1">
               <a:rPr kumimoji="1" lang="ja-JP" altLang="en-US" smtClean="0"/>
-              <a:t>2017/11/7</a:t>
+              <a:t>2017/11/10</a:t>
             </a:fld>
             <a:endParaRPr kumimoji="1" lang="ja-JP" altLang="en-US"/>
           </a:p>
@@ -2438,7 +2438,7 @@
           <a:p>
             <a:fld id="{9F226C2A-483F-4C01-8017-2B028CADF948}" type="datetime1">
               <a:rPr kumimoji="1" lang="ja-JP" altLang="en-US" smtClean="0"/>
-              <a:t>2017/11/7</a:t>
+              <a:t>2017/11/10</a:t>
             </a:fld>
             <a:endParaRPr kumimoji="1" lang="ja-JP" altLang="en-US"/>
           </a:p>
@@ -2747,7 +2747,7 @@
           <a:p>
             <a:fld id="{08589977-AB3F-498C-B884-90518A8325C7}" type="datetime1">
               <a:rPr kumimoji="1" lang="ja-JP" altLang="en-US" smtClean="0"/>
-              <a:t>2017/11/7</a:t>
+              <a:t>2017/11/10</a:t>
             </a:fld>
             <a:endParaRPr kumimoji="1" lang="ja-JP" altLang="en-US"/>
           </a:p>
@@ -3004,7 +3004,7 @@
           <a:p>
             <a:fld id="{3D7739FD-7EAE-47E8-9EBE-A1C9AAB02242}" type="datetime1">
               <a:rPr kumimoji="1" lang="ja-JP" altLang="en-US" smtClean="0"/>
-              <a:t>2017/11/7</a:t>
+              <a:t>2017/11/10</a:t>
             </a:fld>
             <a:endParaRPr kumimoji="1" lang="ja-JP" altLang="en-US"/>
           </a:p>
@@ -3249,7 +3249,7 @@
           <a:p>
             <a:fld id="{B0B03F56-EB1A-48A1-9B1E-4A519F1DB6FA}" type="datetime1">
               <a:rPr kumimoji="1" lang="ja-JP" altLang="en-US" smtClean="0"/>
-              <a:t>2017/11/7</a:t>
+              <a:t>2017/11/10</a:t>
             </a:fld>
             <a:endParaRPr kumimoji="1" lang="ja-JP" altLang="en-US"/>
           </a:p>
@@ -3829,15 +3829,7 @@
             </a:r>
             <a:r>
               <a:rPr kumimoji="1" lang="ja-JP" altLang="en-US" dirty="0" smtClean="0"/>
-              <a:t>から出力</a:t>
-            </a:r>
-            <a:r>
-              <a:rPr kumimoji="1" lang="ja-JP" altLang="en-US" dirty="0" smtClean="0"/>
-              <a:t>された観測系列</a:t>
-            </a:r>
-            <a:r>
-              <a:rPr kumimoji="1" lang="ja-JP" altLang="en-US" dirty="0" smtClean="0"/>
-              <a:t>から最尤状態遷移系列を求める問題</a:t>
+              <a:t>から出力された観測系列から最尤状態遷移系列を求める問題</a:t>
             </a:r>
             <a:r>
               <a:rPr lang="ja-JP" altLang="en-US" dirty="0"/>
@@ -4140,11 +4132,7 @@
             </a:r>
             <a:r>
               <a:rPr lang="ja-JP" altLang="en-US" smtClean="0"/>
-              <a:t>出力</a:t>
-            </a:r>
-            <a:r>
-              <a:rPr lang="ja-JP" altLang="en-US" smtClean="0"/>
-              <a:t>された観測系列</a:t>
+              <a:t>出力された観測系列</a:t>
             </a:r>
             <a:r>
               <a:rPr lang="ja-JP" altLang="en-US" dirty="0" smtClean="0"/>
@@ -4484,7 +4472,7 @@
             </a:r>
             <a:r>
               <a:rPr lang="en-US" altLang="ja-JP" sz="2800" dirty="0" smtClean="0"/>
-              <a:t> . Happy maker music</a:t>
+              <a:t> . Happy Music Maker</a:t>
             </a:r>
             <a:endParaRPr lang="ja-JP" altLang="en-US" sz="2800" dirty="0"/>
           </a:p>
@@ -4552,7 +4540,23 @@
           <a:p>
             <a:r>
               <a:rPr lang="en-US" altLang="ja-JP" sz="2800" dirty="0" smtClean="0"/>
-              <a:t>2 . Hyper main memory</a:t>
+              <a:t>2 . Hyper </a:t>
+            </a:r>
+            <a:r>
+              <a:rPr lang="en-US" altLang="ja-JP" sz="2800" dirty="0"/>
+              <a:t>M</a:t>
+            </a:r>
+            <a:r>
+              <a:rPr lang="en-US" altLang="ja-JP" sz="2800" dirty="0" smtClean="0"/>
+              <a:t>ain </a:t>
+            </a:r>
+            <a:r>
+              <a:rPr lang="en-US" altLang="ja-JP" sz="2800" dirty="0"/>
+              <a:t>M</a:t>
+            </a:r>
+            <a:r>
+              <a:rPr lang="en-US" altLang="ja-JP" sz="2800" dirty="0" smtClean="0"/>
+              <a:t>emory</a:t>
             </a:r>
             <a:endParaRPr lang="ja-JP" altLang="en-US" sz="2800" dirty="0"/>
           </a:p>
@@ -4567,7 +4571,7 @@
         <p:spPr>
           <a:xfrm>
             <a:off x="849874" y="5190932"/>
-            <a:ext cx="4194073" cy="523220"/>
+            <a:ext cx="4593797" cy="523220"/>
           </a:xfrm>
           <a:prstGeom prst="rect">
             <a:avLst/>
@@ -4586,7 +4590,7 @@
             </a:r>
             <a:r>
               <a:rPr lang="en-US" altLang="ja-JP" sz="2800" dirty="0" smtClean="0"/>
-              <a:t> . </a:t>
+              <a:t> . “</a:t>
             </a:r>
             <a:r>
               <a:rPr lang="en-US" altLang="ja-JP" sz="2800" dirty="0" err="1" smtClean="0"/>
@@ -4594,7 +4598,7 @@
             </a:r>
             <a:r>
               <a:rPr lang="en-US" altLang="ja-JP" sz="2800" dirty="0" smtClean="0"/>
-              <a:t> means mustache.</a:t>
+              <a:t>” means mustache.</a:t>
             </a:r>
             <a:endParaRPr lang="ja-JP" altLang="en-US" sz="4000" dirty="0"/>
           </a:p>
@@ -4719,39 +4723,31 @@
               <a:t>事象</a:t>
             </a:r>
             <a:r>
-              <a:rPr lang="en-US" altLang="ja-JP" dirty="0" smtClean="0"/>
+              <a:rPr lang="en-US" altLang="ja-JP" b="1" dirty="0" smtClean="0"/>
               <a:t>y</a:t>
             </a:r>
             <a:r>
               <a:rPr lang="ja-JP" altLang="en-US" dirty="0" smtClean="0"/>
-              <a:t>が起きた</a:t>
+              <a:t>が起きたとき</a:t>
+            </a:r>
+            <a:r>
+              <a:rPr lang="en-US" altLang="ja-JP" b="1" dirty="0" smtClean="0"/>
+              <a:t>x</a:t>
             </a:r>
             <a:r>
               <a:rPr lang="ja-JP" altLang="en-US" dirty="0" smtClean="0"/>
-              <a:t>とき</a:t>
-            </a:r>
-            <a:r>
-              <a:rPr lang="en-US" altLang="ja-JP" dirty="0" smtClean="0"/>
-              <a:t>x</a:t>
-            </a:r>
-            <a:r>
-              <a:rPr lang="ja-JP" altLang="en-US" dirty="0" smtClean="0"/>
-              <a:t>が</a:t>
-            </a:r>
-            <a:r>
-              <a:rPr lang="ja-JP" altLang="en-US" dirty="0" smtClean="0"/>
-              <a:t>起きる確率を</a:t>
-            </a:r>
-            <a:r>
-              <a:rPr lang="en-US" altLang="ja-JP" dirty="0" smtClean="0"/>
+              <a:t>が起きる確率を</a:t>
+            </a:r>
+            <a:r>
+              <a:rPr lang="en-US" altLang="ja-JP" b="1" dirty="0" smtClean="0"/>
               <a:t>P(</a:t>
             </a:r>
             <a:r>
-              <a:rPr lang="en-US" altLang="ja-JP" dirty="0" err="1" smtClean="0"/>
+              <a:rPr lang="en-US" altLang="ja-JP" b="1" dirty="0" err="1" smtClean="0"/>
               <a:t>x|y</a:t>
             </a:r>
             <a:r>
-              <a:rPr lang="en-US" altLang="ja-JP" dirty="0" smtClean="0"/>
+              <a:rPr lang="en-US" altLang="ja-JP" b="1" dirty="0" smtClean="0"/>
               <a:t>)</a:t>
             </a:r>
             <a:r>
@@ -4774,23 +4770,23 @@
               <a:rPr lang="en-US" altLang="ja-JP" dirty="0" smtClean="0"/>
             </a:br>
             <a:r>
-              <a:rPr lang="en-US" altLang="ja-JP" dirty="0" smtClean="0"/>
+              <a:rPr lang="en-US" altLang="ja-JP" b="1" dirty="0" smtClean="0"/>
               <a:t>P(‘</a:t>
             </a:r>
             <a:r>
-              <a:rPr lang="en-US" altLang="ja-JP" dirty="0" err="1" smtClean="0"/>
+              <a:rPr lang="en-US" altLang="ja-JP" b="1" dirty="0" err="1" smtClean="0"/>
               <a:t>Sunny</a:t>
             </a:r>
             <a:r>
-              <a:rPr lang="en-US" altLang="ja-JP" dirty="0" err="1"/>
+              <a:rPr lang="en-US" altLang="ja-JP" b="1" dirty="0" err="1"/>
               <a:t>’|</a:t>
             </a:r>
             <a:r>
-              <a:rPr lang="en-US" altLang="ja-JP" dirty="0" err="1" smtClean="0"/>
+              <a:rPr lang="en-US" altLang="ja-JP" b="1" dirty="0" err="1" smtClean="0"/>
               <a:t>’Rainy</a:t>
             </a:r>
             <a:r>
-              <a:rPr lang="en-US" altLang="ja-JP" dirty="0" smtClean="0"/>
+              <a:rPr lang="en-US" altLang="ja-JP" b="1" dirty="0" smtClean="0"/>
               <a:t>`)</a:t>
             </a:r>
             <a:r>
@@ -4813,33 +4809,6 @@
           </a:p>
         </p:txBody>
       </p:sp>
-      <p:pic>
-        <p:nvPicPr>
-          <p:cNvPr id="12" name="図 11"/>
-          <p:cNvPicPr>
-            <a:picLocks noChangeAspect="1"/>
-          </p:cNvPicPr>
-          <p:nvPr/>
-        </p:nvPicPr>
-        <p:blipFill>
-          <a:blip r:embed="rId2"/>
-          <a:stretch>
-            <a:fillRect/>
-          </a:stretch>
-        </p:blipFill>
-        <p:spPr>
-          <a:xfrm>
-            <a:off x="3574202" y="3725966"/>
-            <a:ext cx="5109697" cy="2816733"/>
-          </a:xfrm>
-          <a:prstGeom prst="rect">
-            <a:avLst/>
-          </a:prstGeom>
-          <a:solidFill>
-            <a:schemeClr val="bg1"/>
-          </a:solidFill>
-        </p:spPr>
-      </p:pic>
       <p:sp>
         <p:nvSpPr>
           <p:cNvPr id="18" name="テキスト ボックス 17"/>
@@ -4848,8 +4817,8 @@
         </p:nvSpPr>
         <p:spPr>
           <a:xfrm>
-            <a:off x="849874" y="4532776"/>
-            <a:ext cx="4194073" cy="523220"/>
+            <a:off x="790054" y="4995587"/>
+            <a:ext cx="4194073" cy="646331"/>
           </a:xfrm>
           <a:prstGeom prst="rect">
             <a:avLst/>
@@ -4863,22 +4832,22 @@
           <a:lstStyle/>
           <a:p>
             <a:r>
-              <a:rPr lang="en-US" altLang="ja-JP" sz="2800" dirty="0"/>
+              <a:rPr lang="en-US" altLang="ja-JP" sz="3600" dirty="0"/>
               <a:t>3</a:t>
             </a:r>
             <a:r>
-              <a:rPr lang="en-US" altLang="ja-JP" sz="2800" dirty="0" smtClean="0"/>
+              <a:rPr lang="en-US" altLang="ja-JP" sz="3600" dirty="0" smtClean="0"/>
               <a:t> .</a:t>
             </a:r>
             <a:r>
-              <a:rPr lang="ja-JP" altLang="en-US" sz="2800" dirty="0" smtClean="0"/>
+              <a:rPr lang="ja-JP" altLang="en-US" sz="3600" dirty="0" smtClean="0"/>
               <a:t>　</a:t>
             </a:r>
             <a:r>
-              <a:rPr lang="en-US" altLang="ja-JP" sz="2800" dirty="0" smtClean="0"/>
+              <a:rPr lang="en-US" altLang="ja-JP" sz="3600" dirty="0" smtClean="0"/>
               <a:t> 0.6</a:t>
             </a:r>
-            <a:endParaRPr lang="ja-JP" altLang="en-US" sz="2800" dirty="0"/>
+            <a:endParaRPr lang="ja-JP" altLang="en-US" sz="3600" dirty="0"/>
           </a:p>
         </p:txBody>
       </p:sp>
@@ -4890,8 +4859,8 @@
         </p:nvSpPr>
         <p:spPr>
           <a:xfrm>
-            <a:off x="849874" y="3216464"/>
-            <a:ext cx="4194073" cy="523220"/>
+            <a:off x="790054" y="3679275"/>
+            <a:ext cx="4194073" cy="646331"/>
           </a:xfrm>
           <a:prstGeom prst="rect">
             <a:avLst/>
@@ -4905,18 +4874,18 @@
           <a:lstStyle/>
           <a:p>
             <a:r>
-              <a:rPr lang="en-US" altLang="ja-JP" sz="2800" dirty="0" smtClean="0"/>
+              <a:rPr lang="en-US" altLang="ja-JP" sz="3600" dirty="0" smtClean="0"/>
               <a:t>1 . </a:t>
             </a:r>
             <a:r>
-              <a:rPr lang="ja-JP" altLang="en-US" sz="2800" dirty="0" smtClean="0"/>
+              <a:rPr lang="ja-JP" altLang="en-US" sz="3600" dirty="0" smtClean="0"/>
               <a:t>　</a:t>
             </a:r>
             <a:r>
-              <a:rPr lang="en-US" altLang="ja-JP" sz="2800" dirty="0" smtClean="0"/>
+              <a:rPr lang="en-US" altLang="ja-JP" sz="3600" dirty="0" smtClean="0"/>
               <a:t>0.4 </a:t>
             </a:r>
-            <a:endParaRPr lang="ja-JP" altLang="en-US" sz="2800" dirty="0"/>
+            <a:endParaRPr lang="ja-JP" altLang="en-US" sz="3600" dirty="0"/>
           </a:p>
         </p:txBody>
       </p:sp>
@@ -4928,8 +4897,8 @@
         </p:nvSpPr>
         <p:spPr>
           <a:xfrm>
-            <a:off x="849874" y="3874620"/>
-            <a:ext cx="4194073" cy="523220"/>
+            <a:off x="790054" y="4337431"/>
+            <a:ext cx="4194073" cy="646331"/>
           </a:xfrm>
           <a:prstGeom prst="rect">
             <a:avLst/>
@@ -4943,18 +4912,18 @@
           <a:lstStyle/>
           <a:p>
             <a:r>
-              <a:rPr lang="en-US" altLang="ja-JP" sz="2800" dirty="0" smtClean="0"/>
+              <a:rPr lang="en-US" altLang="ja-JP" sz="3600" dirty="0" smtClean="0"/>
               <a:t>2 . </a:t>
             </a:r>
             <a:r>
-              <a:rPr lang="ja-JP" altLang="en-US" sz="2800" dirty="0" smtClean="0"/>
+              <a:rPr lang="ja-JP" altLang="en-US" sz="3600" dirty="0" smtClean="0"/>
               <a:t>　</a:t>
             </a:r>
             <a:r>
-              <a:rPr lang="en-US" altLang="ja-JP" sz="2800" dirty="0" smtClean="0"/>
+              <a:rPr lang="en-US" altLang="ja-JP" sz="3600" dirty="0" smtClean="0"/>
               <a:t>0.3</a:t>
             </a:r>
-            <a:endParaRPr lang="ja-JP" altLang="en-US" sz="2800" dirty="0"/>
+            <a:endParaRPr lang="ja-JP" altLang="en-US" sz="3600" dirty="0"/>
           </a:p>
         </p:txBody>
       </p:sp>
@@ -4966,8 +4935,8 @@
         </p:nvSpPr>
         <p:spPr>
           <a:xfrm>
-            <a:off x="849873" y="5190932"/>
-            <a:ext cx="4194073" cy="523220"/>
+            <a:off x="790053" y="5653743"/>
+            <a:ext cx="4194073" cy="646331"/>
           </a:xfrm>
           <a:prstGeom prst="rect">
             <a:avLst/>
@@ -4981,22 +4950,22 @@
           <a:lstStyle/>
           <a:p>
             <a:r>
-              <a:rPr lang="en-US" altLang="ja-JP" sz="2800" dirty="0"/>
+              <a:rPr lang="en-US" altLang="ja-JP" sz="3600" dirty="0"/>
               <a:t>4</a:t>
             </a:r>
             <a:r>
-              <a:rPr lang="en-US" altLang="ja-JP" sz="2800" dirty="0" smtClean="0"/>
+              <a:rPr lang="en-US" altLang="ja-JP" sz="3600" dirty="0" smtClean="0"/>
               <a:t> .</a:t>
             </a:r>
             <a:r>
-              <a:rPr lang="ja-JP" altLang="en-US" sz="2800" dirty="0" smtClean="0"/>
+              <a:rPr lang="ja-JP" altLang="en-US" sz="3600" dirty="0" smtClean="0"/>
               <a:t>　</a:t>
             </a:r>
             <a:r>
-              <a:rPr lang="en-US" altLang="ja-JP" sz="2800" dirty="0" smtClean="0"/>
+              <a:rPr lang="en-US" altLang="ja-JP" sz="3600" dirty="0" smtClean="0"/>
               <a:t> 0.7</a:t>
             </a:r>
-            <a:endParaRPr lang="ja-JP" altLang="en-US" sz="2800" dirty="0"/>
+            <a:endParaRPr lang="ja-JP" altLang="en-US" sz="3600" dirty="0"/>
           </a:p>
         </p:txBody>
       </p:sp>
@@ -5020,6 +4989,510 @@
               <a:t>3</a:t>
             </a:fld>
             <a:endParaRPr kumimoji="1" lang="ja-JP" altLang="en-US"/>
+          </a:p>
+        </p:txBody>
+      </p:sp>
+      <p:grpSp>
+        <p:nvGrpSpPr>
+          <p:cNvPr id="7" name="グループ化 6"/>
+          <p:cNvGrpSpPr/>
+          <p:nvPr/>
+        </p:nvGrpSpPr>
+        <p:grpSpPr>
+          <a:xfrm>
+            <a:off x="3574202" y="3725966"/>
+            <a:ext cx="5109697" cy="2816733"/>
+            <a:chOff x="3574202" y="3725966"/>
+            <a:chExt cx="5109697" cy="2816733"/>
+          </a:xfrm>
+        </p:grpSpPr>
+        <p:pic>
+          <p:nvPicPr>
+            <p:cNvPr id="12" name="図 11"/>
+            <p:cNvPicPr>
+              <a:picLocks noChangeAspect="1"/>
+            </p:cNvPicPr>
+            <p:nvPr/>
+          </p:nvPicPr>
+          <p:blipFill>
+            <a:blip r:embed="rId2"/>
+            <a:stretch>
+              <a:fillRect/>
+            </a:stretch>
+          </p:blipFill>
+          <p:spPr>
+            <a:xfrm>
+              <a:off x="3574202" y="3725966"/>
+              <a:ext cx="5109697" cy="2816733"/>
+            </a:xfrm>
+            <a:prstGeom prst="rect">
+              <a:avLst/>
+            </a:prstGeom>
+            <a:solidFill>
+              <a:schemeClr val="bg1"/>
+            </a:solidFill>
+          </p:spPr>
+        </p:pic>
+        <p:sp>
+          <p:nvSpPr>
+            <p:cNvPr id="6" name="正方形/長方形 5"/>
+            <p:cNvSpPr/>
+            <p:nvPr/>
+          </p:nvSpPr>
+          <p:spPr>
+            <a:xfrm>
+              <a:off x="5145531" y="4937630"/>
+              <a:ext cx="529839" cy="192999"/>
+            </a:xfrm>
+            <a:prstGeom prst="rect">
+              <a:avLst/>
+            </a:prstGeom>
+            <a:solidFill>
+              <a:schemeClr val="bg1"/>
+            </a:solidFill>
+            <a:ln>
+              <a:noFill/>
+            </a:ln>
+          </p:spPr>
+          <p:style>
+            <a:lnRef idx="2">
+              <a:schemeClr val="accent1">
+                <a:shade val="50000"/>
+              </a:schemeClr>
+            </a:lnRef>
+            <a:fillRef idx="1">
+              <a:schemeClr val="accent1"/>
+            </a:fillRef>
+            <a:effectRef idx="0">
+              <a:schemeClr val="accent1"/>
+            </a:effectRef>
+            <a:fontRef idx="minor">
+              <a:schemeClr val="lt1"/>
+            </a:fontRef>
+          </p:style>
+          <p:txBody>
+            <a:bodyPr rtlCol="0" anchor="ctr"/>
+            <a:lstStyle/>
+            <a:p>
+              <a:pPr algn="ctr"/>
+              <a:endParaRPr kumimoji="1" lang="ja-JP" altLang="en-US"/>
+            </a:p>
+          </p:txBody>
+        </p:sp>
+        <p:sp>
+          <p:nvSpPr>
+            <p:cNvPr id="14" name="正方形/長方形 13"/>
+            <p:cNvSpPr/>
+            <p:nvPr/>
+          </p:nvSpPr>
+          <p:spPr>
+            <a:xfrm>
+              <a:off x="6606585" y="4869239"/>
+              <a:ext cx="581114" cy="229046"/>
+            </a:xfrm>
+            <a:prstGeom prst="rect">
+              <a:avLst/>
+            </a:prstGeom>
+            <a:solidFill>
+              <a:schemeClr val="bg1"/>
+            </a:solidFill>
+            <a:ln>
+              <a:noFill/>
+            </a:ln>
+          </p:spPr>
+          <p:style>
+            <a:lnRef idx="2">
+              <a:schemeClr val="accent1">
+                <a:shade val="50000"/>
+              </a:schemeClr>
+            </a:lnRef>
+            <a:fillRef idx="1">
+              <a:schemeClr val="accent1"/>
+            </a:fillRef>
+            <a:effectRef idx="0">
+              <a:schemeClr val="accent1"/>
+            </a:effectRef>
+            <a:fontRef idx="minor">
+              <a:schemeClr val="lt1"/>
+            </a:fontRef>
+          </p:style>
+          <p:txBody>
+            <a:bodyPr rtlCol="0" anchor="ctr"/>
+            <a:lstStyle/>
+            <a:p>
+              <a:pPr algn="ctr"/>
+              <a:endParaRPr kumimoji="1" lang="ja-JP" altLang="en-US"/>
+            </a:p>
+          </p:txBody>
+        </p:sp>
+        <p:sp>
+          <p:nvSpPr>
+            <p:cNvPr id="15" name="正方形/長方形 14"/>
+            <p:cNvSpPr/>
+            <p:nvPr/>
+          </p:nvSpPr>
+          <p:spPr>
+            <a:xfrm>
+              <a:off x="3760148" y="5994608"/>
+              <a:ext cx="263495" cy="229046"/>
+            </a:xfrm>
+            <a:prstGeom prst="rect">
+              <a:avLst/>
+            </a:prstGeom>
+            <a:solidFill>
+              <a:schemeClr val="bg1"/>
+            </a:solidFill>
+            <a:ln>
+              <a:noFill/>
+            </a:ln>
+          </p:spPr>
+          <p:style>
+            <a:lnRef idx="2">
+              <a:schemeClr val="accent1">
+                <a:shade val="50000"/>
+              </a:schemeClr>
+            </a:lnRef>
+            <a:fillRef idx="1">
+              <a:schemeClr val="accent1"/>
+            </a:fillRef>
+            <a:effectRef idx="0">
+              <a:schemeClr val="accent1"/>
+            </a:effectRef>
+            <a:fontRef idx="minor">
+              <a:schemeClr val="lt1"/>
+            </a:fontRef>
+          </p:style>
+          <p:txBody>
+            <a:bodyPr rtlCol="0" anchor="ctr"/>
+            <a:lstStyle/>
+            <a:p>
+              <a:pPr algn="ctr"/>
+              <a:endParaRPr kumimoji="1" lang="ja-JP" altLang="en-US"/>
+            </a:p>
+          </p:txBody>
+        </p:sp>
+        <p:sp>
+          <p:nvSpPr>
+            <p:cNvPr id="16" name="正方形/長方形 15"/>
+            <p:cNvSpPr/>
+            <p:nvPr/>
+          </p:nvSpPr>
+          <p:spPr>
+            <a:xfrm>
+              <a:off x="8251855" y="5923806"/>
+              <a:ext cx="328123" cy="229046"/>
+            </a:xfrm>
+            <a:prstGeom prst="rect">
+              <a:avLst/>
+            </a:prstGeom>
+            <a:solidFill>
+              <a:schemeClr val="bg1"/>
+            </a:solidFill>
+            <a:ln>
+              <a:noFill/>
+            </a:ln>
+          </p:spPr>
+          <p:style>
+            <a:lnRef idx="2">
+              <a:schemeClr val="accent1">
+                <a:shade val="50000"/>
+              </a:schemeClr>
+            </a:lnRef>
+            <a:fillRef idx="1">
+              <a:schemeClr val="accent1"/>
+            </a:fillRef>
+            <a:effectRef idx="0">
+              <a:schemeClr val="accent1"/>
+            </a:effectRef>
+            <a:fontRef idx="minor">
+              <a:schemeClr val="lt1"/>
+            </a:fontRef>
+          </p:style>
+          <p:txBody>
+            <a:bodyPr rtlCol="0" anchor="ctr"/>
+            <a:lstStyle/>
+            <a:p>
+              <a:pPr algn="ctr"/>
+              <a:endParaRPr kumimoji="1" lang="ja-JP" altLang="en-US"/>
+            </a:p>
+          </p:txBody>
+        </p:sp>
+        <p:sp>
+          <p:nvSpPr>
+            <p:cNvPr id="17" name="正方形/長方形 16"/>
+            <p:cNvSpPr/>
+            <p:nvPr/>
+          </p:nvSpPr>
+          <p:spPr>
+            <a:xfrm>
+              <a:off x="5882792" y="5258931"/>
+              <a:ext cx="492516" cy="323166"/>
+            </a:xfrm>
+            <a:prstGeom prst="rect">
+              <a:avLst/>
+            </a:prstGeom>
+            <a:solidFill>
+              <a:schemeClr val="bg1"/>
+            </a:solidFill>
+            <a:ln>
+              <a:noFill/>
+            </a:ln>
+          </p:spPr>
+          <p:style>
+            <a:lnRef idx="2">
+              <a:schemeClr val="accent1">
+                <a:shade val="50000"/>
+              </a:schemeClr>
+            </a:lnRef>
+            <a:fillRef idx="1">
+              <a:schemeClr val="accent1"/>
+            </a:fillRef>
+            <a:effectRef idx="0">
+              <a:schemeClr val="accent1"/>
+            </a:effectRef>
+            <a:fontRef idx="minor">
+              <a:schemeClr val="lt1"/>
+            </a:fontRef>
+          </p:style>
+          <p:txBody>
+            <a:bodyPr rtlCol="0" anchor="ctr"/>
+            <a:lstStyle/>
+            <a:p>
+              <a:pPr algn="ctr"/>
+              <a:endParaRPr kumimoji="1" lang="ja-JP" altLang="en-US"/>
+            </a:p>
+          </p:txBody>
+        </p:sp>
+        <p:sp>
+          <p:nvSpPr>
+            <p:cNvPr id="22" name="正方形/長方形 21"/>
+            <p:cNvSpPr/>
+            <p:nvPr/>
+          </p:nvSpPr>
+          <p:spPr>
+            <a:xfrm>
+              <a:off x="5997302" y="5850232"/>
+              <a:ext cx="263495" cy="229046"/>
+            </a:xfrm>
+            <a:prstGeom prst="rect">
+              <a:avLst/>
+            </a:prstGeom>
+            <a:solidFill>
+              <a:schemeClr val="bg1"/>
+            </a:solidFill>
+            <a:ln>
+              <a:noFill/>
+            </a:ln>
+          </p:spPr>
+          <p:style>
+            <a:lnRef idx="2">
+              <a:schemeClr val="accent1">
+                <a:shade val="50000"/>
+              </a:schemeClr>
+            </a:lnRef>
+            <a:fillRef idx="1">
+              <a:schemeClr val="accent1"/>
+            </a:fillRef>
+            <a:effectRef idx="0">
+              <a:schemeClr val="accent1"/>
+            </a:effectRef>
+            <a:fontRef idx="minor">
+              <a:schemeClr val="lt1"/>
+            </a:fontRef>
+          </p:style>
+          <p:txBody>
+            <a:bodyPr rtlCol="0" anchor="ctr"/>
+            <a:lstStyle/>
+            <a:p>
+              <a:pPr algn="ctr"/>
+              <a:endParaRPr kumimoji="1" lang="ja-JP" altLang="en-US"/>
+            </a:p>
+          </p:txBody>
+        </p:sp>
+      </p:grpSp>
+      <p:sp>
+        <p:nvSpPr>
+          <p:cNvPr id="8" name="テキスト ボックス 7"/>
+          <p:cNvSpPr txBox="1"/>
+          <p:nvPr/>
+        </p:nvSpPr>
+        <p:spPr>
+          <a:xfrm>
+            <a:off x="4890317" y="4826342"/>
+            <a:ext cx="809923" cy="461665"/>
+          </a:xfrm>
+          <a:prstGeom prst="rect">
+            <a:avLst/>
+          </a:prstGeom>
+          <a:noFill/>
+        </p:spPr>
+        <p:txBody>
+          <a:bodyPr wrap="square" rtlCol="0">
+            <a:spAutoFit/>
+          </a:bodyPr>
+          <a:lstStyle/>
+          <a:p>
+            <a:pPr algn="ctr"/>
+            <a:r>
+              <a:rPr kumimoji="1" lang="en-US" altLang="ja-JP" sz="2400" dirty="0" smtClean="0"/>
+              <a:t>0.6</a:t>
+            </a:r>
+            <a:endParaRPr kumimoji="1" lang="ja-JP" altLang="en-US" sz="2400" dirty="0"/>
+          </a:p>
+        </p:txBody>
+      </p:sp>
+      <p:sp>
+        <p:nvSpPr>
+          <p:cNvPr id="24" name="テキスト ボックス 23"/>
+          <p:cNvSpPr txBox="1"/>
+          <p:nvPr/>
+        </p:nvSpPr>
+        <p:spPr>
+          <a:xfrm>
+            <a:off x="6492180" y="4797266"/>
+            <a:ext cx="809923" cy="461665"/>
+          </a:xfrm>
+          <a:prstGeom prst="rect">
+            <a:avLst/>
+          </a:prstGeom>
+          <a:noFill/>
+        </p:spPr>
+        <p:txBody>
+          <a:bodyPr wrap="square" rtlCol="0">
+            <a:spAutoFit/>
+          </a:bodyPr>
+          <a:lstStyle/>
+          <a:p>
+            <a:pPr algn="ctr"/>
+            <a:r>
+              <a:rPr kumimoji="1" lang="en-US" altLang="ja-JP" sz="2400" dirty="0" smtClean="0"/>
+              <a:t>0.4</a:t>
+            </a:r>
+            <a:endParaRPr kumimoji="1" lang="ja-JP" altLang="en-US" sz="2400" dirty="0"/>
+          </a:p>
+        </p:txBody>
+      </p:sp>
+      <p:sp>
+        <p:nvSpPr>
+          <p:cNvPr id="25" name="テキスト ボックス 24"/>
+          <p:cNvSpPr txBox="1"/>
+          <p:nvPr/>
+        </p:nvSpPr>
+        <p:spPr>
+          <a:xfrm>
+            <a:off x="3416347" y="5733922"/>
+            <a:ext cx="809923" cy="461665"/>
+          </a:xfrm>
+          <a:prstGeom prst="rect">
+            <a:avLst/>
+          </a:prstGeom>
+          <a:noFill/>
+        </p:spPr>
+        <p:txBody>
+          <a:bodyPr wrap="square" rtlCol="0">
+            <a:spAutoFit/>
+          </a:bodyPr>
+          <a:lstStyle/>
+          <a:p>
+            <a:pPr algn="ctr"/>
+            <a:r>
+              <a:rPr kumimoji="1" lang="en-US" altLang="ja-JP" sz="2400" dirty="0" smtClean="0"/>
+              <a:t>0.7</a:t>
+            </a:r>
+            <a:endParaRPr kumimoji="1" lang="ja-JP" altLang="en-US" sz="2400" dirty="0"/>
+          </a:p>
+        </p:txBody>
+      </p:sp>
+      <p:sp>
+        <p:nvSpPr>
+          <p:cNvPr id="26" name="テキスト ボックス 25"/>
+          <p:cNvSpPr txBox="1"/>
+          <p:nvPr/>
+        </p:nvSpPr>
+        <p:spPr>
+          <a:xfrm>
+            <a:off x="5721087" y="5210967"/>
+            <a:ext cx="809923" cy="461665"/>
+          </a:xfrm>
+          <a:prstGeom prst="rect">
+            <a:avLst/>
+          </a:prstGeom>
+          <a:noFill/>
+        </p:spPr>
+        <p:txBody>
+          <a:bodyPr wrap="square" rtlCol="0">
+            <a:spAutoFit/>
+          </a:bodyPr>
+          <a:lstStyle/>
+          <a:p>
+            <a:pPr algn="ctr"/>
+            <a:r>
+              <a:rPr kumimoji="1" lang="en-US" altLang="ja-JP" sz="2400" dirty="0" smtClean="0"/>
+              <a:t>0.3</a:t>
+            </a:r>
+            <a:endParaRPr kumimoji="1" lang="ja-JP" altLang="en-US" sz="2400" dirty="0"/>
+          </a:p>
+        </p:txBody>
+      </p:sp>
+      <p:sp>
+        <p:nvSpPr>
+          <p:cNvPr id="27" name="テキスト ボックス 26"/>
+          <p:cNvSpPr txBox="1"/>
+          <p:nvPr/>
+        </p:nvSpPr>
+        <p:spPr>
+          <a:xfrm>
+            <a:off x="5721087" y="6065604"/>
+            <a:ext cx="809923" cy="461665"/>
+          </a:xfrm>
+          <a:prstGeom prst="rect">
+            <a:avLst/>
+          </a:prstGeom>
+          <a:noFill/>
+        </p:spPr>
+        <p:txBody>
+          <a:bodyPr wrap="square" rtlCol="0">
+            <a:spAutoFit/>
+          </a:bodyPr>
+          <a:lstStyle/>
+          <a:p>
+            <a:pPr algn="ctr"/>
+            <a:r>
+              <a:rPr kumimoji="1" lang="en-US" altLang="ja-JP" sz="2400" dirty="0" smtClean="0"/>
+              <a:t>0.4</a:t>
+            </a:r>
+            <a:endParaRPr kumimoji="1" lang="ja-JP" altLang="en-US" sz="2400" dirty="0"/>
+          </a:p>
+        </p:txBody>
+      </p:sp>
+      <p:sp>
+        <p:nvSpPr>
+          <p:cNvPr id="28" name="テキスト ボックス 27"/>
+          <p:cNvSpPr txBox="1"/>
+          <p:nvPr/>
+        </p:nvSpPr>
+        <p:spPr>
+          <a:xfrm>
+            <a:off x="8026140" y="5749806"/>
+            <a:ext cx="809923" cy="461665"/>
+          </a:xfrm>
+          <a:prstGeom prst="rect">
+            <a:avLst/>
+          </a:prstGeom>
+          <a:noFill/>
+        </p:spPr>
+        <p:txBody>
+          <a:bodyPr wrap="square" rtlCol="0">
+            <a:spAutoFit/>
+          </a:bodyPr>
+          <a:lstStyle/>
+          <a:p>
+            <a:pPr algn="ctr"/>
+            <a:r>
+              <a:rPr kumimoji="1" lang="en-US" altLang="ja-JP" sz="2400" dirty="0" smtClean="0"/>
+              <a:t>0.6</a:t>
+            </a:r>
+            <a:endParaRPr kumimoji="1" lang="ja-JP" altLang="en-US" sz="2400" dirty="0"/>
           </a:p>
         </p:txBody>
       </p:sp>
@@ -5244,7 +5717,7 @@
             </a:r>
             <a:r>
               <a:rPr lang="ja-JP" altLang="en-US" sz="2800" dirty="0"/>
-              <a:t>初期</a:t>
+              <a:t>遷移</a:t>
             </a:r>
           </a:p>
         </p:txBody>
@@ -5341,6 +5814,7 @@
           </a:prstGeom>
           <a:solidFill>
             <a:schemeClr val="accent1">
+              <a:lumMod val="75000"/>
               <a:alpha val="29000"/>
             </a:schemeClr>
           </a:solidFill>
@@ -7852,11 +8326,7 @@
             </a:r>
             <a:r>
               <a:rPr kumimoji="1" lang="ja-JP" altLang="en-US" dirty="0" smtClean="0"/>
-              <a:t>から出力</a:t>
-            </a:r>
-            <a:r>
-              <a:rPr kumimoji="1" lang="ja-JP" altLang="en-US" dirty="0" smtClean="0"/>
-              <a:t>された</a:t>
+              <a:t>から出力された</a:t>
             </a:r>
             <a:r>
               <a:rPr lang="ja-JP" altLang="en-US" dirty="0" smtClean="0"/>
@@ -7868,11 +8338,7 @@
             </a:r>
             <a:r>
               <a:rPr kumimoji="1" lang="ja-JP" altLang="en-US" dirty="0" smtClean="0"/>
-              <a:t>の</a:t>
-            </a:r>
-            <a:r>
-              <a:rPr kumimoji="1" lang="ja-JP" altLang="en-US" dirty="0" smtClean="0"/>
-              <a:t>尤度を求める問題</a:t>
+              <a:t>の尤度を求める問題</a:t>
             </a:r>
             <a:endParaRPr kumimoji="1" lang="en-US" altLang="ja-JP" dirty="0" smtClean="0"/>
           </a:p>
